--- a/demo.pptx
+++ b/demo.pptx
@@ -6,9 +6,10 @@
   </p:sldMasterIdLst>
   <p:sldIdLst>
     <p:sldId id="256" r:id="rId2"/>
-    <p:sldId id="257" r:id="rId3"/>
-    <p:sldId id="258" r:id="rId4"/>
-    <p:sldId id="259" r:id="rId5"/>
+    <p:sldId id="260" r:id="rId3"/>
+    <p:sldId id="257" r:id="rId4"/>
+    <p:sldId id="258" r:id="rId5"/>
+    <p:sldId id="259" r:id="rId6"/>
   </p:sldIdLst>
   <p:sldSz cx="9144000" cy="6858000" type="screen4x3"/>
   <p:notesSz cx="6858000" cy="9144000"/>
@@ -107,6 +108,11 @@
       </a:defRPr>
     </a:lvl9pPr>
   </p:defaultTextStyle>
+  <p:extLst>
+    <p:ext uri="{EFAFB233-063F-42B5-8137-9DF3F51BA10A}">
+      <p15:sldGuideLst xmlns:p15="http://schemas.microsoft.com/office/powerpoint/2012/main"/>
+    </p:ext>
+  </p:extLst>
 </p:presentation>
 </file>
 
@@ -5514,7 +5520,7 @@
                   </a:schemeClr>
                 </a:solidFill>
               </a:rPr>
-              <a:t>Cosine</a:t>
+              <a:t>cosine</a:t>
             </a:r>
             <a:r>
               <a:rPr lang="zh-CN" altLang="en-US" sz="1050" dirty="0">
@@ -5641,7 +5647,7 @@
           <p:cNvPr id="2" name="Title 1">
             <a:extLst>
               <a:ext uri="{FF2B5EF4-FFF2-40B4-BE49-F238E27FC236}">
-                <a16:creationId xmlns:a16="http://schemas.microsoft.com/office/drawing/2014/main" id="{566AA903-CE95-141E-5F4A-EA82E9BA4597}"/>
+                <a16:creationId xmlns:a16="http://schemas.microsoft.com/office/drawing/2014/main" id="{D10364A3-131D-C3E7-B7EE-5319DA20FF02}"/>
               </a:ext>
             </a:extLst>
           </p:cNvPr>
@@ -5659,41 +5665,1280 @@
           <a:p>
             <a:r>
               <a:rPr lang="en-US" altLang="zh-CN" dirty="0"/>
-              <a:t>Dataset</a:t>
+              <a:t>Background</a:t>
             </a:r>
             <a:endParaRPr lang="en-US" dirty="0"/>
           </a:p>
         </p:txBody>
       </p:sp>
-      <p:sp>
-        <p:nvSpPr>
-          <p:cNvPr id="3" name="Content Placeholder 2">
+      <p:pic>
+        <p:nvPicPr>
+          <p:cNvPr id="8" name="Content Placeholder 7" descr="A map of the world with orange dots&#10;&#10;Description automatically generated">
             <a:extLst>
               <a:ext uri="{FF2B5EF4-FFF2-40B4-BE49-F238E27FC236}">
-                <a16:creationId xmlns:a16="http://schemas.microsoft.com/office/drawing/2014/main" id="{3928E7D6-F9C5-868A-2829-C7B94F625823}"/>
+                <a16:creationId xmlns:a16="http://schemas.microsoft.com/office/drawing/2014/main" id="{B88CDCAB-3347-FD09-F925-6682E54A12DC}"/>
               </a:ext>
             </a:extLst>
           </p:cNvPr>
-          <p:cNvSpPr>
-            <a:spLocks noGrp="1"/>
-          </p:cNvSpPr>
+          <p:cNvPicPr>
+            <a:picLocks noGrp="1" noChangeAspect="1"/>
+          </p:cNvPicPr>
           <p:nvPr>
             <p:ph idx="1"/>
           </p:nvPr>
-        </p:nvSpPr>
-        <p:spPr/>
-        <p:txBody>
-          <a:bodyPr/>
-          <a:lstStyle/>
-          <a:p>
-            <a:endParaRPr lang="en-US"/>
+        </p:nvPicPr>
+        <p:blipFill>
+          <a:blip r:embed="rId2"/>
+          <a:stretch>
+            <a:fillRect/>
+          </a:stretch>
+        </p:blipFill>
+        <p:spPr>
+          <a:xfrm>
+            <a:off x="628649" y="4287536"/>
+            <a:ext cx="4791649" cy="2205338"/>
+          </a:xfrm>
+        </p:spPr>
+      </p:pic>
+      <p:sp>
+        <p:nvSpPr>
+          <p:cNvPr id="9" name="TextBox 8">
+            <a:extLst>
+              <a:ext uri="{FF2B5EF4-FFF2-40B4-BE49-F238E27FC236}">
+                <a16:creationId xmlns:a16="http://schemas.microsoft.com/office/drawing/2014/main" id="{C1B79D17-02DA-6F7E-1AD0-965F6E56A962}"/>
+              </a:ext>
+            </a:extLst>
+          </p:cNvPr>
+          <p:cNvSpPr txBox="1"/>
+          <p:nvPr/>
+        </p:nvSpPr>
+        <p:spPr>
+          <a:xfrm>
+            <a:off x="628649" y="1604116"/>
+            <a:ext cx="7975524" cy="2308324"/>
+          </a:xfrm>
+          <a:prstGeom prst="rect">
+            <a:avLst/>
+          </a:prstGeom>
+          <a:noFill/>
+        </p:spPr>
+        <p:txBody>
+          <a:bodyPr wrap="square" rtlCol="0">
+            <a:spAutoFit/>
+          </a:bodyPr>
+          <a:lstStyle/>
+          <a:p>
+            <a:pPr algn="l"/>
+            <a:r>
+              <a:rPr lang="en-US" altLang="zh-CN" dirty="0"/>
+              <a:t>A</a:t>
+            </a:r>
+            <a:r>
+              <a:rPr lang="zh-CN" altLang="en-US" dirty="0"/>
+              <a:t> </a:t>
+            </a:r>
+            <a:r>
+              <a:rPr lang="en-US" altLang="zh-CN" dirty="0"/>
+              <a:t>main</a:t>
+            </a:r>
+            <a:r>
+              <a:rPr lang="zh-CN" altLang="en-US" dirty="0"/>
+              <a:t> </a:t>
+            </a:r>
+            <a:r>
+              <a:rPr lang="en-US" altLang="zh-CN" dirty="0"/>
+              <a:t>fashion</a:t>
+            </a:r>
+            <a:r>
+              <a:rPr lang="zh-CN" altLang="en-US" dirty="0"/>
+              <a:t> </a:t>
+            </a:r>
+            <a:r>
+              <a:rPr lang="en-US" altLang="zh-CN" dirty="0"/>
+              <a:t>dataset,</a:t>
+            </a:r>
+            <a:r>
+              <a:rPr lang="zh-CN" altLang="en-US" dirty="0"/>
+              <a:t> </a:t>
+            </a:r>
+            <a:r>
+              <a:rPr lang="en-US" b="0" i="0" dirty="0">
+                <a:solidFill>
+                  <a:srgbClr val="000000"/>
+                </a:solidFill>
+                <a:effectLst/>
+                <a:latin typeface="ff3"/>
+              </a:rPr>
+              <a:t>The </a:t>
+            </a:r>
+            <a:r>
+              <a:rPr lang="en-US" b="0" i="0" dirty="0" err="1">
+                <a:solidFill>
+                  <a:srgbClr val="000000"/>
+                </a:solidFill>
+                <a:effectLst/>
+                <a:latin typeface="ff3"/>
+              </a:rPr>
+              <a:t>GSFashion</a:t>
+            </a:r>
+            <a:r>
+              <a:rPr lang="en-US" b="0" i="0" dirty="0">
+                <a:solidFill>
+                  <a:srgbClr val="000000"/>
+                </a:solidFill>
+                <a:effectLst/>
+                <a:latin typeface="ff3"/>
+              </a:rPr>
+              <a:t> (Global Street Fashion) image dataset, </a:t>
+            </a:r>
+            <a:r>
+              <a:rPr lang="en-US" altLang="zh-CN" b="0" i="0" dirty="0">
+                <a:solidFill>
+                  <a:srgbClr val="000000"/>
+                </a:solidFill>
+                <a:effectLst/>
+                <a:latin typeface="ff3"/>
+              </a:rPr>
+              <a:t>has</a:t>
+            </a:r>
+            <a:r>
+              <a:rPr lang="en-US" b="0" i="0" dirty="0">
+                <a:solidFill>
+                  <a:srgbClr val="000000"/>
+                </a:solidFill>
+                <a:effectLst/>
+                <a:latin typeface="ff3"/>
+              </a:rPr>
+              <a:t> a total number of</a:t>
+            </a:r>
+            <a:r>
+              <a:rPr lang="zh-CN" altLang="en-US" b="0" i="0" dirty="0">
+                <a:solidFill>
+                  <a:srgbClr val="000000"/>
+                </a:solidFill>
+                <a:effectLst/>
+                <a:latin typeface="ff3"/>
+              </a:rPr>
+              <a:t> </a:t>
+            </a:r>
+            <a:r>
+              <a:rPr lang="en-US" b="0" i="0" dirty="0">
+                <a:solidFill>
+                  <a:srgbClr val="000000"/>
+                </a:solidFill>
+                <a:effectLst/>
+                <a:latin typeface="ff7"/>
+              </a:rPr>
+              <a:t>400822</a:t>
+            </a:r>
+            <a:r>
+              <a:rPr lang="zh-CN" altLang="en-US" dirty="0">
+                <a:solidFill>
+                  <a:srgbClr val="000000"/>
+                </a:solidFill>
+                <a:latin typeface="ff7"/>
+              </a:rPr>
+              <a:t> </a:t>
+            </a:r>
+            <a:r>
+              <a:rPr lang="en-US" b="0" i="0" dirty="0">
+                <a:solidFill>
+                  <a:srgbClr val="000000"/>
+                </a:solidFill>
+                <a:effectLst/>
+                <a:latin typeface="ff3"/>
+              </a:rPr>
+              <a:t>local</a:t>
+            </a:r>
+            <a:r>
+              <a:rPr lang="zh-CN" altLang="en-US" dirty="0">
+                <a:solidFill>
+                  <a:srgbClr val="000000"/>
+                </a:solidFill>
+                <a:latin typeface="ff3"/>
+              </a:rPr>
+              <a:t> </a:t>
+            </a:r>
+            <a:r>
+              <a:rPr lang="en-US" b="0" i="0" dirty="0">
+                <a:solidFill>
+                  <a:srgbClr val="000000"/>
+                </a:solidFill>
+                <a:effectLst/>
+                <a:latin typeface="ff3"/>
+              </a:rPr>
+              <a:t>street fashion pictures from 45 global major cities</a:t>
+            </a:r>
+            <a:r>
+              <a:rPr lang="en-US" altLang="zh-CN" dirty="0">
+                <a:solidFill>
+                  <a:srgbClr val="000000"/>
+                </a:solidFill>
+                <a:latin typeface="ff3"/>
+              </a:rPr>
+              <a:t>.</a:t>
+            </a:r>
+            <a:r>
+              <a:rPr lang="zh-CN" altLang="en-US" dirty="0">
+                <a:solidFill>
+                  <a:srgbClr val="000000"/>
+                </a:solidFill>
+                <a:latin typeface="ff3"/>
+              </a:rPr>
+              <a:t> </a:t>
+            </a:r>
+            <a:r>
+              <a:rPr lang="en-US" altLang="zh-CN" dirty="0">
+                <a:solidFill>
+                  <a:srgbClr val="000000"/>
+                </a:solidFill>
+                <a:latin typeface="ff3"/>
+              </a:rPr>
+              <a:t>In</a:t>
+            </a:r>
+            <a:r>
+              <a:rPr lang="zh-CN" altLang="en-US" dirty="0">
+                <a:solidFill>
+                  <a:srgbClr val="000000"/>
+                </a:solidFill>
+                <a:latin typeface="ff3"/>
+              </a:rPr>
+              <a:t> </a:t>
+            </a:r>
+            <a:r>
+              <a:rPr lang="en-US" altLang="zh-CN" dirty="0">
+                <a:solidFill>
+                  <a:srgbClr val="000000"/>
+                </a:solidFill>
+                <a:latin typeface="ff3"/>
+              </a:rPr>
+              <a:t>this</a:t>
+            </a:r>
+            <a:r>
+              <a:rPr lang="zh-CN" altLang="en-US" dirty="0">
+                <a:solidFill>
+                  <a:srgbClr val="000000"/>
+                </a:solidFill>
+                <a:latin typeface="ff3"/>
+              </a:rPr>
+              <a:t> </a:t>
+            </a:r>
+            <a:r>
+              <a:rPr lang="en-US" altLang="zh-CN" dirty="0">
+                <a:solidFill>
+                  <a:srgbClr val="000000"/>
+                </a:solidFill>
+                <a:latin typeface="ff3"/>
+              </a:rPr>
+              <a:t>dataset,</a:t>
+            </a:r>
+            <a:r>
+              <a:rPr lang="zh-CN" altLang="en-US" dirty="0">
+                <a:solidFill>
+                  <a:srgbClr val="000000"/>
+                </a:solidFill>
+                <a:latin typeface="ff3"/>
+              </a:rPr>
+              <a:t> </a:t>
+            </a:r>
+            <a:r>
+              <a:rPr lang="en-US" altLang="zh-CN" dirty="0">
+                <a:solidFill>
+                  <a:srgbClr val="000000"/>
+                </a:solidFill>
+                <a:latin typeface="ff3"/>
+              </a:rPr>
+              <a:t>African</a:t>
+            </a:r>
+            <a:r>
+              <a:rPr lang="zh-CN" altLang="en-US" dirty="0">
+                <a:solidFill>
+                  <a:srgbClr val="000000"/>
+                </a:solidFill>
+                <a:latin typeface="ff3"/>
+              </a:rPr>
+              <a:t> </a:t>
+            </a:r>
+            <a:r>
+              <a:rPr lang="en-US" altLang="zh-CN" dirty="0">
+                <a:solidFill>
+                  <a:srgbClr val="000000"/>
+                </a:solidFill>
+                <a:latin typeface="ff3"/>
+              </a:rPr>
+              <a:t>and</a:t>
+            </a:r>
+            <a:r>
+              <a:rPr lang="zh-CN" altLang="en-US" dirty="0">
+                <a:solidFill>
+                  <a:srgbClr val="000000"/>
+                </a:solidFill>
+                <a:latin typeface="ff3"/>
+              </a:rPr>
+              <a:t> </a:t>
+            </a:r>
+            <a:r>
+              <a:rPr lang="en-US" altLang="zh-CN" dirty="0">
+                <a:solidFill>
+                  <a:srgbClr val="000000"/>
+                </a:solidFill>
+                <a:latin typeface="ff3"/>
+              </a:rPr>
+              <a:t>Indian</a:t>
+            </a:r>
+            <a:r>
+              <a:rPr lang="zh-CN" altLang="en-US" dirty="0">
+                <a:solidFill>
+                  <a:srgbClr val="000000"/>
+                </a:solidFill>
+                <a:latin typeface="ff3"/>
+              </a:rPr>
+              <a:t> </a:t>
+            </a:r>
+            <a:r>
+              <a:rPr lang="en-US" altLang="zh-CN" dirty="0">
+                <a:solidFill>
+                  <a:srgbClr val="000000"/>
+                </a:solidFill>
+                <a:latin typeface="ff3"/>
+              </a:rPr>
+              <a:t>fashion</a:t>
+            </a:r>
+            <a:r>
+              <a:rPr lang="zh-CN" altLang="en-US" dirty="0">
+                <a:solidFill>
+                  <a:srgbClr val="000000"/>
+                </a:solidFill>
+                <a:latin typeface="ff3"/>
+              </a:rPr>
+              <a:t> </a:t>
+            </a:r>
+            <a:r>
+              <a:rPr lang="en-US" altLang="zh-CN" dirty="0">
+                <a:solidFill>
+                  <a:srgbClr val="000000"/>
+                </a:solidFill>
+                <a:latin typeface="ff3"/>
+              </a:rPr>
+              <a:t>are</a:t>
+            </a:r>
+            <a:r>
+              <a:rPr lang="zh-CN" altLang="en-US" dirty="0">
+                <a:solidFill>
+                  <a:srgbClr val="000000"/>
+                </a:solidFill>
+                <a:latin typeface="ff3"/>
+              </a:rPr>
+              <a:t> </a:t>
+            </a:r>
+            <a:r>
+              <a:rPr lang="en-US" altLang="zh-CN" dirty="0">
+                <a:solidFill>
+                  <a:srgbClr val="000000"/>
+                </a:solidFill>
+                <a:latin typeface="ff3"/>
+              </a:rPr>
+              <a:t>underrepresented,</a:t>
+            </a:r>
+            <a:r>
+              <a:rPr lang="zh-CN" altLang="en-US" dirty="0">
+                <a:solidFill>
+                  <a:srgbClr val="000000"/>
+                </a:solidFill>
+                <a:latin typeface="ff3"/>
+              </a:rPr>
+              <a:t> </a:t>
+            </a:r>
+            <a:r>
+              <a:rPr lang="en-US" altLang="zh-CN" dirty="0">
+                <a:solidFill>
+                  <a:srgbClr val="000000"/>
+                </a:solidFill>
+                <a:latin typeface="ff3"/>
+              </a:rPr>
+              <a:t>and</a:t>
+            </a:r>
+            <a:r>
+              <a:rPr lang="zh-CN" altLang="en-US" dirty="0">
+                <a:solidFill>
+                  <a:srgbClr val="000000"/>
+                </a:solidFill>
+                <a:latin typeface="ff3"/>
+              </a:rPr>
+              <a:t> </a:t>
+            </a:r>
+            <a:r>
+              <a:rPr lang="en-US" altLang="zh-CN" dirty="0">
+                <a:solidFill>
+                  <a:srgbClr val="000000"/>
+                </a:solidFill>
+                <a:latin typeface="ff3"/>
+              </a:rPr>
+              <a:t>therefore</a:t>
+            </a:r>
+            <a:r>
+              <a:rPr lang="zh-CN" altLang="en-US" dirty="0">
+                <a:solidFill>
+                  <a:srgbClr val="000000"/>
+                </a:solidFill>
+                <a:latin typeface="ff3"/>
+              </a:rPr>
+              <a:t> </a:t>
+            </a:r>
+            <a:r>
+              <a:rPr lang="en-US" altLang="zh-CN" dirty="0">
+                <a:solidFill>
+                  <a:srgbClr val="000000"/>
+                </a:solidFill>
+                <a:latin typeface="ff3"/>
+              </a:rPr>
+              <a:t>models</a:t>
+            </a:r>
+            <a:r>
+              <a:rPr lang="zh-CN" altLang="en-US" dirty="0">
+                <a:solidFill>
+                  <a:srgbClr val="000000"/>
+                </a:solidFill>
+                <a:latin typeface="ff3"/>
+              </a:rPr>
+              <a:t> </a:t>
+            </a:r>
+            <a:r>
+              <a:rPr lang="en-US" altLang="zh-CN" dirty="0">
+                <a:solidFill>
+                  <a:srgbClr val="000000"/>
+                </a:solidFill>
+                <a:latin typeface="ff3"/>
+              </a:rPr>
+              <a:t>trained</a:t>
+            </a:r>
+            <a:r>
+              <a:rPr lang="zh-CN" altLang="en-US" dirty="0">
+                <a:solidFill>
+                  <a:srgbClr val="000000"/>
+                </a:solidFill>
+                <a:latin typeface="ff3"/>
+              </a:rPr>
+              <a:t> </a:t>
+            </a:r>
+            <a:r>
+              <a:rPr lang="en-US" altLang="zh-CN" dirty="0">
+                <a:solidFill>
+                  <a:srgbClr val="000000"/>
+                </a:solidFill>
+                <a:latin typeface="ff3"/>
+              </a:rPr>
+              <a:t>on</a:t>
+            </a:r>
+            <a:r>
+              <a:rPr lang="zh-CN" altLang="en-US" dirty="0">
+                <a:solidFill>
+                  <a:srgbClr val="000000"/>
+                </a:solidFill>
+                <a:latin typeface="ff3"/>
+              </a:rPr>
+              <a:t> </a:t>
+            </a:r>
+            <a:r>
+              <a:rPr lang="en-US" altLang="zh-CN" dirty="0">
+                <a:solidFill>
+                  <a:srgbClr val="000000"/>
+                </a:solidFill>
+                <a:latin typeface="ff3"/>
+              </a:rPr>
+              <a:t>these</a:t>
+            </a:r>
+            <a:r>
+              <a:rPr lang="zh-CN" altLang="en-US" dirty="0">
+                <a:solidFill>
+                  <a:srgbClr val="000000"/>
+                </a:solidFill>
+                <a:latin typeface="ff3"/>
+              </a:rPr>
+              <a:t> </a:t>
+            </a:r>
+            <a:r>
+              <a:rPr lang="en-US" altLang="zh-CN" dirty="0">
+                <a:solidFill>
+                  <a:srgbClr val="000000"/>
+                </a:solidFill>
+                <a:latin typeface="ff3"/>
+              </a:rPr>
+              <a:t>datasets</a:t>
+            </a:r>
+            <a:r>
+              <a:rPr lang="zh-CN" altLang="en-US" dirty="0">
+                <a:solidFill>
+                  <a:srgbClr val="000000"/>
+                </a:solidFill>
+                <a:latin typeface="ff3"/>
+              </a:rPr>
+              <a:t> </a:t>
+            </a:r>
+            <a:r>
+              <a:rPr lang="en-US" altLang="zh-CN" dirty="0">
+                <a:solidFill>
+                  <a:srgbClr val="000000"/>
+                </a:solidFill>
+                <a:latin typeface="ff3"/>
+              </a:rPr>
+              <a:t>could</a:t>
+            </a:r>
+            <a:r>
+              <a:rPr lang="zh-CN" altLang="en-US" dirty="0">
+                <a:solidFill>
+                  <a:srgbClr val="000000"/>
+                </a:solidFill>
+                <a:latin typeface="ff3"/>
+              </a:rPr>
+              <a:t> </a:t>
+            </a:r>
+            <a:r>
+              <a:rPr lang="en-US" altLang="zh-CN" dirty="0">
+                <a:solidFill>
+                  <a:srgbClr val="000000"/>
+                </a:solidFill>
+                <a:latin typeface="ff3"/>
+              </a:rPr>
+              <a:t>be</a:t>
+            </a:r>
+            <a:r>
+              <a:rPr lang="zh-CN" altLang="en-US" dirty="0">
+                <a:solidFill>
+                  <a:srgbClr val="000000"/>
+                </a:solidFill>
+                <a:latin typeface="ff3"/>
+              </a:rPr>
+              <a:t> </a:t>
+            </a:r>
+            <a:r>
+              <a:rPr lang="en-US" altLang="zh-CN" dirty="0">
+                <a:solidFill>
+                  <a:srgbClr val="000000"/>
+                </a:solidFill>
+                <a:latin typeface="ff3"/>
+              </a:rPr>
+              <a:t>bias</a:t>
+            </a:r>
+            <a:r>
+              <a:rPr lang="zh-CN" altLang="en-US" dirty="0">
+                <a:solidFill>
+                  <a:srgbClr val="000000"/>
+                </a:solidFill>
+                <a:latin typeface="ff3"/>
+              </a:rPr>
+              <a:t> </a:t>
+            </a:r>
+            <a:r>
+              <a:rPr lang="en-US" altLang="zh-CN" dirty="0">
+                <a:solidFill>
+                  <a:srgbClr val="000000"/>
+                </a:solidFill>
+                <a:latin typeface="ff3"/>
+              </a:rPr>
+              <a:t>towards</a:t>
+            </a:r>
+            <a:r>
+              <a:rPr lang="zh-CN" altLang="en-US" dirty="0">
+                <a:solidFill>
+                  <a:srgbClr val="000000"/>
+                </a:solidFill>
+                <a:latin typeface="ff3"/>
+              </a:rPr>
+              <a:t> </a:t>
+            </a:r>
+            <a:r>
+              <a:rPr lang="en-US" altLang="zh-CN" dirty="0">
+                <a:solidFill>
+                  <a:srgbClr val="000000"/>
+                </a:solidFill>
+                <a:latin typeface="ff3"/>
+              </a:rPr>
+              <a:t>western</a:t>
+            </a:r>
+            <a:r>
+              <a:rPr lang="zh-CN" altLang="en-US" dirty="0">
+                <a:solidFill>
+                  <a:srgbClr val="000000"/>
+                </a:solidFill>
+                <a:latin typeface="ff3"/>
+              </a:rPr>
+              <a:t> </a:t>
+            </a:r>
+            <a:r>
+              <a:rPr lang="en-US" altLang="zh-CN" dirty="0">
+                <a:solidFill>
+                  <a:srgbClr val="000000"/>
+                </a:solidFill>
+                <a:latin typeface="ff3"/>
+              </a:rPr>
+              <a:t>fashion</a:t>
+            </a:r>
+            <a:r>
+              <a:rPr lang="zh-CN" altLang="en-US" dirty="0">
+                <a:solidFill>
+                  <a:srgbClr val="000000"/>
+                </a:solidFill>
+                <a:latin typeface="ff3"/>
+              </a:rPr>
+              <a:t> </a:t>
+            </a:r>
+            <a:r>
+              <a:rPr lang="en-US" altLang="zh-CN" dirty="0">
+                <a:solidFill>
+                  <a:srgbClr val="000000"/>
+                </a:solidFill>
+                <a:latin typeface="ff3"/>
+              </a:rPr>
+              <a:t>and</a:t>
+            </a:r>
+            <a:r>
+              <a:rPr lang="zh-CN" altLang="en-US" dirty="0">
+                <a:solidFill>
+                  <a:srgbClr val="000000"/>
+                </a:solidFill>
+                <a:latin typeface="ff3"/>
+              </a:rPr>
+              <a:t> </a:t>
+            </a:r>
+            <a:r>
+              <a:rPr lang="en-US" altLang="zh-CN" dirty="0">
+                <a:solidFill>
+                  <a:srgbClr val="000000"/>
+                </a:solidFill>
+                <a:latin typeface="ff3"/>
+              </a:rPr>
+              <a:t>fail</a:t>
+            </a:r>
+            <a:r>
+              <a:rPr lang="zh-CN" altLang="en-US" dirty="0">
+                <a:solidFill>
+                  <a:srgbClr val="000000"/>
+                </a:solidFill>
+                <a:latin typeface="ff3"/>
+              </a:rPr>
+              <a:t> </a:t>
+            </a:r>
+            <a:r>
+              <a:rPr lang="en-US" altLang="zh-CN" dirty="0">
+                <a:solidFill>
+                  <a:srgbClr val="000000"/>
+                </a:solidFill>
+                <a:latin typeface="ff3"/>
+              </a:rPr>
+              <a:t>to</a:t>
+            </a:r>
+            <a:r>
+              <a:rPr lang="zh-CN" altLang="en-US" dirty="0">
+                <a:solidFill>
+                  <a:srgbClr val="000000"/>
+                </a:solidFill>
+                <a:latin typeface="ff3"/>
+              </a:rPr>
+              <a:t> </a:t>
+            </a:r>
+            <a:r>
+              <a:rPr lang="en-US" altLang="zh-CN" dirty="0">
+                <a:solidFill>
+                  <a:srgbClr val="000000"/>
+                </a:solidFill>
+                <a:latin typeface="ff3"/>
+              </a:rPr>
+              <a:t>learn</a:t>
+            </a:r>
+            <a:r>
+              <a:rPr lang="zh-CN" altLang="en-US" dirty="0">
+                <a:solidFill>
+                  <a:srgbClr val="000000"/>
+                </a:solidFill>
+                <a:latin typeface="ff3"/>
+              </a:rPr>
+              <a:t> </a:t>
+            </a:r>
+            <a:r>
+              <a:rPr lang="en-US" altLang="zh-CN" dirty="0">
+                <a:solidFill>
+                  <a:srgbClr val="000000"/>
+                </a:solidFill>
+                <a:latin typeface="ff3"/>
+              </a:rPr>
+              <a:t>the</a:t>
+            </a:r>
+            <a:r>
+              <a:rPr lang="zh-CN" altLang="en-US" dirty="0">
+                <a:solidFill>
+                  <a:srgbClr val="000000"/>
+                </a:solidFill>
+                <a:latin typeface="ff3"/>
+              </a:rPr>
+              <a:t> </a:t>
+            </a:r>
+            <a:r>
+              <a:rPr lang="en-US" altLang="zh-CN" dirty="0">
+                <a:solidFill>
+                  <a:srgbClr val="000000"/>
+                </a:solidFill>
+                <a:latin typeface="ff3"/>
+              </a:rPr>
+              <a:t>representation</a:t>
+            </a:r>
+            <a:r>
+              <a:rPr lang="zh-CN" altLang="en-US" dirty="0">
+                <a:solidFill>
+                  <a:srgbClr val="000000"/>
+                </a:solidFill>
+                <a:latin typeface="ff3"/>
+              </a:rPr>
+              <a:t> </a:t>
+            </a:r>
+            <a:r>
+              <a:rPr lang="en-US" altLang="zh-CN" dirty="0">
+                <a:solidFill>
+                  <a:srgbClr val="000000"/>
+                </a:solidFill>
+                <a:latin typeface="ff3"/>
+              </a:rPr>
+              <a:t>of</a:t>
+            </a:r>
+            <a:r>
+              <a:rPr lang="zh-CN" altLang="en-US" dirty="0">
+                <a:solidFill>
+                  <a:srgbClr val="000000"/>
+                </a:solidFill>
+                <a:latin typeface="ff3"/>
+              </a:rPr>
+              <a:t> </a:t>
+            </a:r>
+            <a:r>
+              <a:rPr lang="en-US" altLang="zh-CN" dirty="0" err="1">
+                <a:solidFill>
+                  <a:srgbClr val="000000"/>
+                </a:solidFill>
+                <a:latin typeface="ff3"/>
+              </a:rPr>
+              <a:t>african</a:t>
+            </a:r>
+            <a:r>
+              <a:rPr lang="zh-CN" altLang="en-US" dirty="0">
+                <a:solidFill>
+                  <a:srgbClr val="000000"/>
+                </a:solidFill>
+                <a:latin typeface="ff3"/>
+              </a:rPr>
+              <a:t> </a:t>
+            </a:r>
+            <a:r>
+              <a:rPr lang="en-US" altLang="zh-CN" dirty="0">
+                <a:solidFill>
+                  <a:srgbClr val="000000"/>
+                </a:solidFill>
+                <a:latin typeface="ff3"/>
+              </a:rPr>
+              <a:t>and</a:t>
+            </a:r>
+            <a:r>
+              <a:rPr lang="zh-CN" altLang="en-US" dirty="0">
+                <a:solidFill>
+                  <a:srgbClr val="000000"/>
+                </a:solidFill>
+                <a:latin typeface="ff3"/>
+              </a:rPr>
+              <a:t> </a:t>
+            </a:r>
+            <a:r>
+              <a:rPr lang="en-US" altLang="zh-CN" dirty="0" err="1">
+                <a:solidFill>
+                  <a:srgbClr val="000000"/>
+                </a:solidFill>
+                <a:latin typeface="ff3"/>
+              </a:rPr>
+              <a:t>indian</a:t>
+            </a:r>
+            <a:r>
+              <a:rPr lang="zh-CN" altLang="en-US" dirty="0">
+                <a:solidFill>
+                  <a:srgbClr val="000000"/>
+                </a:solidFill>
+                <a:latin typeface="ff3"/>
+              </a:rPr>
+              <a:t> </a:t>
+            </a:r>
+            <a:r>
+              <a:rPr lang="en-US" altLang="zh-CN" dirty="0">
+                <a:solidFill>
+                  <a:srgbClr val="000000"/>
+                </a:solidFill>
+                <a:latin typeface="ff3"/>
+              </a:rPr>
+              <a:t>ethnic</a:t>
+            </a:r>
+            <a:r>
+              <a:rPr lang="zh-CN" altLang="en-US" dirty="0">
+                <a:solidFill>
+                  <a:srgbClr val="000000"/>
+                </a:solidFill>
+                <a:latin typeface="ff3"/>
+              </a:rPr>
+              <a:t> </a:t>
+            </a:r>
+            <a:r>
+              <a:rPr lang="en-US" altLang="zh-CN" dirty="0">
+                <a:solidFill>
+                  <a:srgbClr val="000000"/>
+                </a:solidFill>
+                <a:latin typeface="ff3"/>
+              </a:rPr>
+              <a:t>fashion.</a:t>
+            </a:r>
+            <a:r>
+              <a:rPr lang="zh-CN" altLang="en-US" dirty="0">
+                <a:solidFill>
+                  <a:srgbClr val="000000"/>
+                </a:solidFill>
+                <a:latin typeface="ff3"/>
+              </a:rPr>
+              <a:t> </a:t>
+            </a:r>
+            <a:r>
+              <a:rPr lang="en-US" altLang="zh-CN" dirty="0">
+                <a:solidFill>
+                  <a:srgbClr val="000000"/>
+                </a:solidFill>
+                <a:latin typeface="ff3"/>
+              </a:rPr>
+              <a:t>Then,</a:t>
+            </a:r>
+            <a:r>
+              <a:rPr lang="zh-CN" altLang="en-US" dirty="0">
+                <a:solidFill>
+                  <a:srgbClr val="000000"/>
+                </a:solidFill>
+                <a:latin typeface="ff3"/>
+              </a:rPr>
+              <a:t> </a:t>
+            </a:r>
+            <a:r>
+              <a:rPr lang="en-US" altLang="zh-CN" dirty="0">
+                <a:solidFill>
+                  <a:srgbClr val="000000"/>
+                </a:solidFill>
+                <a:latin typeface="ff3"/>
+              </a:rPr>
+              <a:t>minority</a:t>
+            </a:r>
+            <a:r>
+              <a:rPr lang="zh-CN" altLang="en-US" dirty="0">
+                <a:solidFill>
+                  <a:srgbClr val="000000"/>
+                </a:solidFill>
+                <a:latin typeface="ff3"/>
+              </a:rPr>
+              <a:t> </a:t>
+            </a:r>
+            <a:r>
+              <a:rPr lang="en-US" altLang="zh-CN" dirty="0">
+                <a:solidFill>
+                  <a:srgbClr val="000000"/>
+                </a:solidFill>
+                <a:latin typeface="ff3"/>
+              </a:rPr>
+              <a:t>users</a:t>
+            </a:r>
+            <a:r>
+              <a:rPr lang="zh-CN" altLang="en-US" dirty="0">
+                <a:solidFill>
+                  <a:srgbClr val="000000"/>
+                </a:solidFill>
+                <a:latin typeface="ff3"/>
+              </a:rPr>
+              <a:t> </a:t>
+            </a:r>
+            <a:r>
+              <a:rPr lang="en-US" altLang="zh-CN" dirty="0">
+                <a:solidFill>
+                  <a:srgbClr val="000000"/>
+                </a:solidFill>
+                <a:latin typeface="ff3"/>
+              </a:rPr>
+              <a:t>could</a:t>
+            </a:r>
+            <a:r>
+              <a:rPr lang="zh-CN" altLang="en-US" dirty="0">
+                <a:solidFill>
+                  <a:srgbClr val="000000"/>
+                </a:solidFill>
+                <a:latin typeface="ff3"/>
+              </a:rPr>
+              <a:t> </a:t>
+            </a:r>
+            <a:r>
+              <a:rPr lang="en-US" altLang="zh-CN" dirty="0">
+                <a:solidFill>
+                  <a:srgbClr val="000000"/>
+                </a:solidFill>
+                <a:latin typeface="ff3"/>
+              </a:rPr>
+              <a:t>not</a:t>
+            </a:r>
+            <a:r>
+              <a:rPr lang="zh-CN" altLang="en-US" dirty="0">
+                <a:solidFill>
+                  <a:srgbClr val="000000"/>
+                </a:solidFill>
+                <a:latin typeface="ff3"/>
+              </a:rPr>
+              <a:t> </a:t>
+            </a:r>
+            <a:r>
+              <a:rPr lang="en-US" altLang="zh-CN" dirty="0">
+                <a:solidFill>
+                  <a:srgbClr val="000000"/>
+                </a:solidFill>
+                <a:latin typeface="ff3"/>
+              </a:rPr>
+              <a:t>find</a:t>
+            </a:r>
+            <a:r>
+              <a:rPr lang="zh-CN" altLang="en-US" dirty="0">
+                <a:solidFill>
+                  <a:srgbClr val="000000"/>
+                </a:solidFill>
+                <a:latin typeface="ff3"/>
+              </a:rPr>
+              <a:t> </a:t>
+            </a:r>
+            <a:r>
+              <a:rPr lang="en-US" altLang="zh-CN" dirty="0">
+                <a:solidFill>
+                  <a:srgbClr val="000000"/>
+                </a:solidFill>
+                <a:latin typeface="ff3"/>
+              </a:rPr>
+              <a:t>outfits</a:t>
+            </a:r>
+            <a:r>
+              <a:rPr lang="zh-CN" altLang="en-US" dirty="0">
+                <a:solidFill>
+                  <a:srgbClr val="000000"/>
+                </a:solidFill>
+                <a:latin typeface="ff3"/>
+              </a:rPr>
+              <a:t> </a:t>
+            </a:r>
+            <a:r>
+              <a:rPr lang="en-US" altLang="zh-CN" dirty="0">
+                <a:solidFill>
+                  <a:srgbClr val="000000"/>
+                </a:solidFill>
+                <a:latin typeface="ff3"/>
+              </a:rPr>
+              <a:t>that</a:t>
+            </a:r>
+            <a:r>
+              <a:rPr lang="zh-CN" altLang="en-US" dirty="0">
+                <a:solidFill>
+                  <a:srgbClr val="000000"/>
+                </a:solidFill>
+                <a:latin typeface="ff3"/>
+              </a:rPr>
+              <a:t> </a:t>
+            </a:r>
+            <a:r>
+              <a:rPr lang="en-US" altLang="zh-CN" dirty="0">
+                <a:solidFill>
+                  <a:srgbClr val="000000"/>
+                </a:solidFill>
+                <a:latin typeface="ff3"/>
+              </a:rPr>
+              <a:t>fit</a:t>
+            </a:r>
+            <a:r>
+              <a:rPr lang="zh-CN" altLang="en-US" dirty="0">
+                <a:solidFill>
+                  <a:srgbClr val="000000"/>
+                </a:solidFill>
+                <a:latin typeface="ff3"/>
+              </a:rPr>
+              <a:t> </a:t>
+            </a:r>
+            <a:r>
+              <a:rPr lang="en-US" altLang="zh-CN" dirty="0">
+                <a:solidFill>
+                  <a:srgbClr val="000000"/>
+                </a:solidFill>
+                <a:latin typeface="ff3"/>
+              </a:rPr>
+              <a:t>their</a:t>
+            </a:r>
+            <a:r>
+              <a:rPr lang="zh-CN" altLang="en-US" dirty="0">
+                <a:solidFill>
+                  <a:srgbClr val="000000"/>
+                </a:solidFill>
+                <a:latin typeface="ff3"/>
+              </a:rPr>
+              <a:t> </a:t>
+            </a:r>
+            <a:r>
+              <a:rPr lang="en-US" altLang="zh-CN" dirty="0">
+                <a:solidFill>
+                  <a:srgbClr val="000000"/>
+                </a:solidFill>
+                <a:latin typeface="ff3"/>
+              </a:rPr>
+              <a:t>identify</a:t>
+            </a:r>
+            <a:r>
+              <a:rPr lang="zh-CN" altLang="en-US" dirty="0">
+                <a:solidFill>
+                  <a:srgbClr val="000000"/>
+                </a:solidFill>
+                <a:latin typeface="ff3"/>
+              </a:rPr>
+              <a:t> </a:t>
+            </a:r>
+            <a:r>
+              <a:rPr lang="en-US" altLang="zh-CN" dirty="0">
+                <a:solidFill>
+                  <a:srgbClr val="000000"/>
+                </a:solidFill>
+                <a:latin typeface="ff3"/>
+              </a:rPr>
+              <a:t>when</a:t>
+            </a:r>
+            <a:r>
+              <a:rPr lang="zh-CN" altLang="en-US" dirty="0">
+                <a:solidFill>
+                  <a:srgbClr val="000000"/>
+                </a:solidFill>
+                <a:latin typeface="ff3"/>
+              </a:rPr>
+              <a:t> </a:t>
+            </a:r>
+            <a:r>
+              <a:rPr lang="en-US" altLang="zh-CN" dirty="0">
+                <a:solidFill>
+                  <a:srgbClr val="000000"/>
+                </a:solidFill>
+                <a:latin typeface="ff3"/>
+              </a:rPr>
+              <a:t>using</a:t>
+            </a:r>
+            <a:r>
+              <a:rPr lang="zh-CN" altLang="en-US" dirty="0">
+                <a:solidFill>
+                  <a:srgbClr val="000000"/>
+                </a:solidFill>
+                <a:latin typeface="ff3"/>
+              </a:rPr>
+              <a:t> </a:t>
+            </a:r>
+            <a:r>
+              <a:rPr lang="en-US" altLang="zh-CN" dirty="0">
+                <a:solidFill>
+                  <a:srgbClr val="000000"/>
+                </a:solidFill>
+                <a:latin typeface="ff3"/>
+              </a:rPr>
+              <a:t>those</a:t>
+            </a:r>
+            <a:r>
+              <a:rPr lang="zh-CN" altLang="en-US" dirty="0">
+                <a:solidFill>
+                  <a:srgbClr val="000000"/>
+                </a:solidFill>
+                <a:latin typeface="ff3"/>
+              </a:rPr>
+              <a:t> </a:t>
+            </a:r>
+            <a:r>
+              <a:rPr lang="en-US" altLang="zh-CN" dirty="0">
+                <a:solidFill>
+                  <a:srgbClr val="000000"/>
+                </a:solidFill>
+                <a:latin typeface="ff3"/>
+              </a:rPr>
+              <a:t>customized</a:t>
+            </a:r>
+            <a:r>
+              <a:rPr lang="zh-CN" altLang="en-US" dirty="0">
+                <a:solidFill>
+                  <a:srgbClr val="000000"/>
+                </a:solidFill>
+                <a:latin typeface="ff3"/>
+              </a:rPr>
+              <a:t> </a:t>
+            </a:r>
+            <a:r>
+              <a:rPr lang="en-US" altLang="zh-CN" dirty="0">
+                <a:solidFill>
+                  <a:srgbClr val="000000"/>
+                </a:solidFill>
+                <a:latin typeface="ff3"/>
+              </a:rPr>
+              <a:t>fashion</a:t>
+            </a:r>
+            <a:r>
+              <a:rPr lang="zh-CN" altLang="en-US" dirty="0">
+                <a:solidFill>
+                  <a:srgbClr val="000000"/>
+                </a:solidFill>
+                <a:latin typeface="ff3"/>
+              </a:rPr>
+              <a:t> </a:t>
+            </a:r>
+            <a:r>
+              <a:rPr lang="en-US" altLang="zh-CN" dirty="0">
+                <a:solidFill>
+                  <a:srgbClr val="000000"/>
+                </a:solidFill>
+                <a:latin typeface="ff3"/>
+              </a:rPr>
+              <a:t>products</a:t>
+            </a:r>
+            <a:r>
+              <a:rPr lang="zh-CN" altLang="en-US" dirty="0">
+                <a:solidFill>
+                  <a:srgbClr val="000000"/>
+                </a:solidFill>
+                <a:latin typeface="ff3"/>
+              </a:rPr>
+              <a:t> </a:t>
+            </a:r>
+            <a:r>
+              <a:rPr lang="en-US" altLang="zh-CN" dirty="0">
+                <a:solidFill>
+                  <a:srgbClr val="000000"/>
+                </a:solidFill>
+                <a:latin typeface="ff3"/>
+              </a:rPr>
+              <a:t>with</a:t>
+            </a:r>
+            <a:r>
+              <a:rPr lang="zh-CN" altLang="en-US" dirty="0">
+                <a:solidFill>
+                  <a:srgbClr val="000000"/>
+                </a:solidFill>
+                <a:latin typeface="ff3"/>
+              </a:rPr>
+              <a:t> </a:t>
+            </a:r>
+            <a:r>
+              <a:rPr lang="en-US" altLang="zh-CN" dirty="0">
+                <a:solidFill>
+                  <a:srgbClr val="000000"/>
+                </a:solidFill>
+                <a:latin typeface="ff3"/>
+              </a:rPr>
+              <a:t>AI</a:t>
+            </a:r>
+            <a:r>
+              <a:rPr lang="zh-CN" altLang="en-US" dirty="0">
+                <a:solidFill>
+                  <a:srgbClr val="000000"/>
+                </a:solidFill>
+                <a:latin typeface="ff3"/>
+              </a:rPr>
+              <a:t> </a:t>
+            </a:r>
+            <a:r>
+              <a:rPr lang="en-US" altLang="zh-CN" dirty="0">
+                <a:solidFill>
+                  <a:srgbClr val="000000"/>
+                </a:solidFill>
+                <a:latin typeface="ff3"/>
+              </a:rPr>
+              <a:t>models</a:t>
+            </a:r>
+            <a:r>
+              <a:rPr lang="zh-CN" altLang="en-US" dirty="0">
+                <a:solidFill>
+                  <a:srgbClr val="000000"/>
+                </a:solidFill>
+                <a:latin typeface="ff3"/>
+              </a:rPr>
+              <a:t> </a:t>
+            </a:r>
+            <a:r>
+              <a:rPr lang="en-US" altLang="zh-CN" dirty="0">
+                <a:solidFill>
+                  <a:srgbClr val="000000"/>
+                </a:solidFill>
+                <a:latin typeface="ff3"/>
+              </a:rPr>
+              <a:t>train</a:t>
+            </a:r>
+            <a:r>
+              <a:rPr lang="zh-CN" altLang="en-US" dirty="0">
+                <a:solidFill>
+                  <a:srgbClr val="000000"/>
+                </a:solidFill>
+                <a:latin typeface="ff3"/>
+              </a:rPr>
+              <a:t> </a:t>
+            </a:r>
+            <a:r>
+              <a:rPr lang="en-US" altLang="zh-CN" dirty="0">
+                <a:solidFill>
+                  <a:srgbClr val="000000"/>
+                </a:solidFill>
+                <a:latin typeface="ff3"/>
+              </a:rPr>
+              <a:t>on</a:t>
+            </a:r>
+            <a:r>
+              <a:rPr lang="zh-CN" altLang="en-US" dirty="0">
+                <a:solidFill>
+                  <a:srgbClr val="000000"/>
+                </a:solidFill>
+                <a:latin typeface="ff3"/>
+              </a:rPr>
+              <a:t> </a:t>
+            </a:r>
+            <a:r>
+              <a:rPr lang="en-US" altLang="zh-CN" dirty="0">
+                <a:solidFill>
+                  <a:srgbClr val="000000"/>
+                </a:solidFill>
+                <a:latin typeface="ff3"/>
+              </a:rPr>
+              <a:t>these</a:t>
+            </a:r>
+            <a:r>
+              <a:rPr lang="zh-CN" altLang="en-US" dirty="0">
+                <a:solidFill>
+                  <a:srgbClr val="000000"/>
+                </a:solidFill>
+                <a:latin typeface="ff3"/>
+              </a:rPr>
+              <a:t> </a:t>
+            </a:r>
+            <a:r>
+              <a:rPr lang="en-US" altLang="zh-CN" dirty="0">
+                <a:solidFill>
+                  <a:srgbClr val="000000"/>
+                </a:solidFill>
+                <a:latin typeface="ff3"/>
+              </a:rPr>
+              <a:t>datasets.</a:t>
+            </a:r>
+            <a:endParaRPr lang="en-US" b="0" i="0" dirty="0">
+              <a:solidFill>
+                <a:srgbClr val="000000"/>
+              </a:solidFill>
+              <a:effectLst/>
+              <a:latin typeface="ff3"/>
+            </a:endParaRPr>
+          </a:p>
+          <a:p>
+            <a:endParaRPr lang="en-US" dirty="0"/>
           </a:p>
         </p:txBody>
       </p:sp>
     </p:spTree>
     <p:extLst>
       <p:ext uri="{BB962C8B-B14F-4D97-AF65-F5344CB8AC3E}">
-        <p14:creationId xmlns:p14="http://schemas.microsoft.com/office/powerpoint/2010/main" val="2622886674"/>
+        <p14:creationId xmlns:p14="http://schemas.microsoft.com/office/powerpoint/2010/main" val="1228990812"/>
       </p:ext>
     </p:extLst>
   </p:cSld>
@@ -5725,6 +6970,90 @@
           <p:cNvPr id="2" name="Title 1">
             <a:extLst>
               <a:ext uri="{FF2B5EF4-FFF2-40B4-BE49-F238E27FC236}">
+                <a16:creationId xmlns:a16="http://schemas.microsoft.com/office/drawing/2014/main" id="{566AA903-CE95-141E-5F4A-EA82E9BA4597}"/>
+              </a:ext>
+            </a:extLst>
+          </p:cNvPr>
+          <p:cNvSpPr>
+            <a:spLocks noGrp="1"/>
+          </p:cNvSpPr>
+          <p:nvPr>
+            <p:ph type="title"/>
+          </p:nvPr>
+        </p:nvSpPr>
+        <p:spPr/>
+        <p:txBody>
+          <a:bodyPr/>
+          <a:lstStyle/>
+          <a:p>
+            <a:r>
+              <a:rPr lang="en-US" altLang="zh-CN" dirty="0"/>
+              <a:t>Dataset</a:t>
+            </a:r>
+            <a:endParaRPr lang="en-US" dirty="0"/>
+          </a:p>
+        </p:txBody>
+      </p:sp>
+      <p:sp>
+        <p:nvSpPr>
+          <p:cNvPr id="3" name="Content Placeholder 2">
+            <a:extLst>
+              <a:ext uri="{FF2B5EF4-FFF2-40B4-BE49-F238E27FC236}">
+                <a16:creationId xmlns:a16="http://schemas.microsoft.com/office/drawing/2014/main" id="{3928E7D6-F9C5-868A-2829-C7B94F625823}"/>
+              </a:ext>
+            </a:extLst>
+          </p:cNvPr>
+          <p:cNvSpPr>
+            <a:spLocks noGrp="1"/>
+          </p:cNvSpPr>
+          <p:nvPr>
+            <p:ph idx="1"/>
+          </p:nvPr>
+        </p:nvSpPr>
+        <p:spPr/>
+        <p:txBody>
+          <a:bodyPr/>
+          <a:lstStyle/>
+          <a:p>
+            <a:endParaRPr lang="en-US"/>
+          </a:p>
+        </p:txBody>
+      </p:sp>
+    </p:spTree>
+    <p:extLst>
+      <p:ext uri="{BB962C8B-B14F-4D97-AF65-F5344CB8AC3E}">
+        <p14:creationId xmlns:p14="http://schemas.microsoft.com/office/powerpoint/2010/main" val="2622886674"/>
+      </p:ext>
+    </p:extLst>
+  </p:cSld>
+  <p:clrMapOvr>
+    <a:masterClrMapping/>
+  </p:clrMapOvr>
+</p:sld>
+</file>
+
+<file path=ppt/slides/slide4.xml><?xml version="1.0" encoding="utf-8"?>
+<p:sld xmlns:a="http://schemas.openxmlformats.org/drawingml/2006/main" xmlns:r="http://schemas.openxmlformats.org/officeDocument/2006/relationships" xmlns:p="http://schemas.openxmlformats.org/presentationml/2006/main">
+  <p:cSld>
+    <p:spTree>
+      <p:nvGrpSpPr>
+        <p:cNvPr id="1" name=""/>
+        <p:cNvGrpSpPr/>
+        <p:nvPr/>
+      </p:nvGrpSpPr>
+      <p:grpSpPr>
+        <a:xfrm>
+          <a:off x="0" y="0"/>
+          <a:ext cx="0" cy="0"/>
+          <a:chOff x="0" y="0"/>
+          <a:chExt cx="0" cy="0"/>
+        </a:xfrm>
+      </p:grpSpPr>
+      <p:sp>
+        <p:nvSpPr>
+          <p:cNvPr id="2" name="Title 1">
+            <a:extLst>
+              <a:ext uri="{FF2B5EF4-FFF2-40B4-BE49-F238E27FC236}">
                 <a16:creationId xmlns:a16="http://schemas.microsoft.com/office/drawing/2014/main" id="{72A76606-A327-2F28-00FB-F9129712A583}"/>
               </a:ext>
             </a:extLst>
@@ -5787,7 +7116,7 @@
 </p:sld>
 </file>
 
-<file path=ppt/slides/slide4.xml><?xml version="1.0" encoding="utf-8"?>
+<file path=ppt/slides/slide5.xml><?xml version="1.0" encoding="utf-8"?>
 <p:sld xmlns:a="http://schemas.openxmlformats.org/drawingml/2006/main" xmlns:r="http://schemas.openxmlformats.org/officeDocument/2006/relationships" xmlns:p="http://schemas.openxmlformats.org/presentationml/2006/main">
   <p:cSld>
     <p:spTree>
